--- a/cards/pong-cards.pptx
+++ b/cards/pong-cards.pptx
@@ -278,7 +278,7 @@
           <a:p>
             <a:fld id="{1D8BD707-D9CF-40AE-B4C6-C98DA3205C09}" type="datetimeFigureOut">
               <a:rPr lang="en-US"/>
-              <a:t>3/1/2019</a:t>
+              <a:t>3/2/2019</a:t>
             </a:fld>
             <a:endParaRPr lang="en-US"/>
           </a:p>
@@ -455,7 +455,7 @@
           <a:p>
             <a:fld id="{1D8BD707-D9CF-40AE-B4C6-C98DA3205C09}" type="datetimeFigureOut">
               <a:rPr lang="en-US"/>
-              <a:t>3/1/2019</a:t>
+              <a:t>3/2/2019</a:t>
             </a:fld>
             <a:endParaRPr lang="en-US"/>
           </a:p>
@@ -669,7 +669,7 @@
           <a:p>
             <a:fld id="{1D8BD707-D9CF-40AE-B4C6-C98DA3205C09}" type="datetimeFigureOut">
               <a:rPr lang="en-US"/>
-              <a:t>3/1/2019</a:t>
+              <a:t>3/2/2019</a:t>
             </a:fld>
             <a:endParaRPr lang="en-US"/>
           </a:p>
@@ -817,7 +817,7 @@
           <a:p>
             <a:fld id="{1D8BD707-D9CF-40AE-B4C6-C98DA3205C09}" type="datetimeFigureOut">
               <a:rPr lang="en-US"/>
-              <a:t>3/1/2019</a:t>
+              <a:t>3/2/2019</a:t>
             </a:fld>
             <a:endParaRPr lang="en-US"/>
           </a:p>
@@ -936,7 +936,7 @@
           <a:p>
             <a:fld id="{1D8BD707-D9CF-40AE-B4C6-C98DA3205C09}" type="datetimeFigureOut">
               <a:rPr lang="en-US"/>
-              <a:t>3/1/2019</a:t>
+              <a:t>3/2/2019</a:t>
             </a:fld>
             <a:endParaRPr lang="en-US"/>
           </a:p>
@@ -1161,7 +1161,7 @@
           <a:p>
             <a:fld id="{1D8BD707-D9CF-40AE-B4C6-C98DA3205C09}" type="datetimeFigureOut">
               <a:rPr lang="en-US"/>
-              <a:t>3/1/2019</a:t>
+              <a:t>3/2/2019</a:t>
             </a:fld>
             <a:endParaRPr lang="en-US"/>
           </a:p>
@@ -39944,35 +39944,6 @@
       </p:sp>
       <p:sp>
         <p:nvSpPr>
-          <p:cNvPr id="27" name="object 27"/>
-          <p:cNvSpPr/>
-          <p:nvPr/>
-        </p:nvSpPr>
-        <p:spPr>
-          <a:xfrm>
-            <a:off x="1210322" y="2914019"/>
-            <a:ext cx="963599" cy="1017391"/>
-          </a:xfrm>
-          <a:prstGeom prst="rect">
-            <a:avLst/>
-          </a:prstGeom>
-          <a:blipFill>
-            <a:blip r:embed="rId13" cstate="print"/>
-            <a:stretch>
-              <a:fillRect/>
-            </a:stretch>
-          </a:blipFill>
-        </p:spPr>
-        <p:txBody>
-          <a:bodyPr wrap="square" lIns="0" tIns="0" rIns="0" bIns="0" rtlCol="0"/>
-          <a:lstStyle/>
-          <a:p>
-            <a:endParaRPr/>
-          </a:p>
-        </p:txBody>
-      </p:sp>
-      <p:sp>
-        <p:nvSpPr>
           <p:cNvPr id="28" name="object 28"/>
           <p:cNvSpPr txBox="1"/>
           <p:nvPr/>
@@ -40306,7 +40277,7 @@
             <a:avLst/>
           </a:prstGeom>
           <a:blipFill>
-            <a:blip r:embed="rId14" cstate="print"/>
+            <a:blip r:embed="rId13" cstate="print"/>
             <a:stretch>
               <a:fillRect/>
             </a:stretch>
@@ -40767,7 +40738,7 @@
             <a:avLst/>
           </a:prstGeom>
           <a:blipFill>
-            <a:blip r:embed="rId15" cstate="print"/>
+            <a:blip r:embed="rId14" cstate="print"/>
             <a:stretch>
               <a:fillRect/>
             </a:stretch>
@@ -40796,7 +40767,7 @@
             <a:avLst/>
           </a:prstGeom>
           <a:blipFill>
-            <a:blip r:embed="rId16" cstate="print"/>
+            <a:blip r:embed="rId15" cstate="print"/>
             <a:stretch>
               <a:fillRect/>
             </a:stretch>
@@ -41199,7 +41170,7 @@
             <a:avLst/>
           </a:prstGeom>
           <a:blipFill>
-            <a:blip r:embed="rId17" cstate="print"/>
+            <a:blip r:embed="rId16" cstate="print"/>
             <a:stretch>
               <a:fillRect/>
             </a:stretch>
@@ -41328,7 +41299,7 @@
             <a:avLst/>
           </a:prstGeom>
           <a:blipFill>
-            <a:blip r:embed="rId18" cstate="print"/>
+            <a:blip r:embed="rId17" cstate="print"/>
             <a:stretch>
               <a:fillRect/>
             </a:stretch>
@@ -41579,7 +41550,7 @@
             <a:avLst/>
           </a:prstGeom>
           <a:blipFill>
-            <a:blip r:embed="rId19" cstate="print"/>
+            <a:blip r:embed="rId18" cstate="print"/>
             <a:stretch>
               <a:fillRect/>
             </a:stretch>
@@ -41764,7 +41735,7 @@
             <a:avLst/>
           </a:prstGeom>
           <a:blipFill>
-            <a:blip r:embed="rId20" cstate="print"/>
+            <a:blip r:embed="rId19" cstate="print"/>
             <a:stretch>
               <a:fillRect/>
             </a:stretch>
@@ -41787,35 +41758,6 @@
         <p:spPr>
           <a:xfrm>
             <a:off x="3580168" y="5614175"/>
-            <a:ext cx="102565" cy="114338"/>
-          </a:xfrm>
-          <a:prstGeom prst="rect">
-            <a:avLst/>
-          </a:prstGeom>
-          <a:blipFill>
-            <a:blip r:embed="rId21" cstate="print"/>
-            <a:stretch>
-              <a:fillRect/>
-            </a:stretch>
-          </a:blipFill>
-        </p:spPr>
-        <p:txBody>
-          <a:bodyPr wrap="square" lIns="0" tIns="0" rIns="0" bIns="0" rtlCol="0"/>
-          <a:lstStyle/>
-          <a:p>
-            <a:endParaRPr/>
-          </a:p>
-        </p:txBody>
-      </p:sp>
-      <p:sp>
-        <p:nvSpPr>
-          <p:cNvPr id="55" name="object 55"/>
-          <p:cNvSpPr/>
-          <p:nvPr/>
-        </p:nvSpPr>
-        <p:spPr>
-          <a:xfrm>
-            <a:off x="3996969" y="4721313"/>
             <a:ext cx="102565" cy="114338"/>
           </a:xfrm>
           <a:prstGeom prst="rect">
@@ -41838,6 +41780,35 @@
       </p:sp>
       <p:sp>
         <p:nvSpPr>
+          <p:cNvPr id="55" name="object 55"/>
+          <p:cNvSpPr/>
+          <p:nvPr/>
+        </p:nvSpPr>
+        <p:spPr>
+          <a:xfrm>
+            <a:off x="3996969" y="4721313"/>
+            <a:ext cx="102565" cy="114338"/>
+          </a:xfrm>
+          <a:prstGeom prst="rect">
+            <a:avLst/>
+          </a:prstGeom>
+          <a:blipFill>
+            <a:blip r:embed="rId19" cstate="print"/>
+            <a:stretch>
+              <a:fillRect/>
+            </a:stretch>
+          </a:blipFill>
+        </p:spPr>
+        <p:txBody>
+          <a:bodyPr wrap="square" lIns="0" tIns="0" rIns="0" bIns="0" rtlCol="0"/>
+          <a:lstStyle/>
+          <a:p>
+            <a:endParaRPr/>
+          </a:p>
+        </p:txBody>
+      </p:sp>
+      <p:sp>
+        <p:nvSpPr>
           <p:cNvPr id="56" name="object 56"/>
           <p:cNvSpPr/>
           <p:nvPr/>
@@ -41949,7 +41920,7 @@
             <a:avLst/>
           </a:prstGeom>
           <a:blipFill>
-            <a:blip r:embed="rId22" cstate="print"/>
+            <a:blip r:embed="rId21" cstate="print"/>
             <a:stretch>
               <a:fillRect/>
             </a:stretch>
@@ -42163,51 +42134,6 @@
       </p:sp>
       <p:sp>
         <p:nvSpPr>
-          <p:cNvPr id="61" name="object 61"/>
-          <p:cNvSpPr/>
-          <p:nvPr/>
-        </p:nvSpPr>
-        <p:spPr>
-          <a:xfrm>
-            <a:off x="2090166" y="3235147"/>
-            <a:ext cx="563245" cy="292100"/>
-          </a:xfrm>
-          <a:custGeom>
-            <a:avLst/>
-            <a:gdLst/>
-            <a:ahLst/>
-            <a:cxnLst/>
-            <a:rect l="l" t="t" r="r" b="b"/>
-            <a:pathLst>
-              <a:path w="563244" h="292100">
-                <a:moveTo>
-                  <a:pt x="562863" y="0"/>
-                </a:moveTo>
-                <a:lnTo>
-                  <a:pt x="126606" y="0"/>
-                </a:lnTo>
-                <a:lnTo>
-                  <a:pt x="0" y="292100"/>
-                </a:lnTo>
-              </a:path>
-            </a:pathLst>
-          </a:custGeom>
-          <a:ln w="12700">
-            <a:solidFill>
-              <a:srgbClr val="636466"/>
-            </a:solidFill>
-          </a:ln>
-        </p:spPr>
-        <p:txBody>
-          <a:bodyPr wrap="square" lIns="0" tIns="0" rIns="0" bIns="0" rtlCol="0"/>
-          <a:lstStyle/>
-          <a:p>
-            <a:endParaRPr/>
-          </a:p>
-        </p:txBody>
-      </p:sp>
-      <p:sp>
-        <p:nvSpPr>
           <p:cNvPr id="31" name="object 31"/>
           <p:cNvSpPr txBox="1"/>
           <p:nvPr/>
@@ -42215,7 +42141,7 @@
         <p:spPr>
           <a:xfrm>
             <a:off x="2684779" y="3059569"/>
-            <a:ext cx="1243965" cy="330200"/>
+            <a:ext cx="1243965" cy="308418"/>
           </a:xfrm>
           <a:prstGeom prst="rect">
             <a:avLst/>
@@ -42236,194 +42162,44 @@
               </a:spcBef>
             </a:pPr>
             <a:r>
-              <a:rPr sz="900" b="1" spc="-30" dirty="0">
+              <a:rPr lang="en-US" sz="900" b="1" spc="-30" dirty="0" err="1">
                 <a:solidFill>
                   <a:srgbClr val="636466"/>
                 </a:solidFill>
                 <a:latin typeface="Trebuchet MS"/>
                 <a:cs typeface="Trebuchet MS"/>
               </a:rPr>
-              <a:t>Insert</a:t>
+              <a:t>Insérer</a:t>
             </a:r>
             <a:r>
-              <a:rPr sz="900" b="1" spc="-105" dirty="0">
+              <a:rPr lang="en-US" sz="900" b="1" spc="-30" dirty="0">
                 <a:solidFill>
                   <a:srgbClr val="636466"/>
                 </a:solidFill>
                 <a:latin typeface="Trebuchet MS"/>
                 <a:cs typeface="Trebuchet MS"/>
               </a:rPr>
-              <a:t> </a:t>
+              <a:t> le bloc Souris x dans le bloc </a:t>
             </a:r>
             <a:r>
-              <a:rPr sz="900" b="1" spc="-45" dirty="0">
+              <a:rPr lang="en-US" sz="900" b="1" spc="-30" dirty="0" err="1">
                 <a:solidFill>
                   <a:srgbClr val="636466"/>
                 </a:solidFill>
                 <a:latin typeface="Trebuchet MS"/>
                 <a:cs typeface="Trebuchet MS"/>
               </a:rPr>
-              <a:t>the</a:t>
+              <a:t>Mettre</a:t>
             </a:r>
             <a:r>
-              <a:rPr sz="900" b="1" spc="-100" dirty="0">
+              <a:rPr lang="en-US" sz="900" b="1" spc="-30" dirty="0">
                 <a:solidFill>
                   <a:srgbClr val="636466"/>
                 </a:solidFill>
                 <a:latin typeface="Trebuchet MS"/>
                 <a:cs typeface="Trebuchet MS"/>
               </a:rPr>
-              <a:t> </a:t>
-            </a:r>
-            <a:r>
-              <a:rPr sz="900" b="1" spc="-10" dirty="0">
-                <a:solidFill>
-                  <a:srgbClr val="636466"/>
-                </a:solidFill>
-                <a:latin typeface="Trebuchet MS"/>
-                <a:cs typeface="Trebuchet MS"/>
-              </a:rPr>
-              <a:t>mouse</a:t>
-            </a:r>
-            <a:r>
-              <a:rPr sz="900" b="1" spc="-100" dirty="0">
-                <a:solidFill>
-                  <a:srgbClr val="636466"/>
-                </a:solidFill>
-                <a:latin typeface="Trebuchet MS"/>
-                <a:cs typeface="Trebuchet MS"/>
-              </a:rPr>
-              <a:t> </a:t>
-            </a:r>
-            <a:r>
-              <a:rPr sz="900" b="1" spc="-15" dirty="0">
-                <a:solidFill>
-                  <a:srgbClr val="636466"/>
-                </a:solidFill>
-                <a:latin typeface="Trebuchet MS"/>
-                <a:cs typeface="Trebuchet MS"/>
-              </a:rPr>
-              <a:t>x</a:t>
-            </a:r>
-            <a:r>
-              <a:rPr sz="900" b="1" spc="-100" dirty="0">
-                <a:solidFill>
-                  <a:srgbClr val="636466"/>
-                </a:solidFill>
-                <a:latin typeface="Trebuchet MS"/>
-                <a:cs typeface="Trebuchet MS"/>
-              </a:rPr>
-              <a:t> </a:t>
-            </a:r>
-            <a:r>
-              <a:rPr sz="900" b="1" spc="-25" dirty="0">
-                <a:solidFill>
-                  <a:srgbClr val="636466"/>
-                </a:solidFill>
-                <a:latin typeface="Trebuchet MS"/>
-                <a:cs typeface="Trebuchet MS"/>
-              </a:rPr>
-              <a:t>block  </a:t>
-            </a:r>
-            <a:r>
-              <a:rPr sz="900" b="1" spc="-30" dirty="0">
-                <a:solidFill>
-                  <a:srgbClr val="636466"/>
-                </a:solidFill>
-                <a:latin typeface="Trebuchet MS"/>
-                <a:cs typeface="Trebuchet MS"/>
-              </a:rPr>
-              <a:t>into</a:t>
-            </a:r>
-            <a:r>
-              <a:rPr sz="900" b="1" spc="-100" dirty="0">
-                <a:solidFill>
-                  <a:srgbClr val="636466"/>
-                </a:solidFill>
-                <a:latin typeface="Trebuchet MS"/>
-                <a:cs typeface="Trebuchet MS"/>
-              </a:rPr>
-              <a:t> </a:t>
-            </a:r>
-            <a:r>
-              <a:rPr sz="900" b="1" spc="-45" dirty="0">
-                <a:solidFill>
-                  <a:srgbClr val="636466"/>
-                </a:solidFill>
-                <a:latin typeface="Trebuchet MS"/>
-                <a:cs typeface="Trebuchet MS"/>
-              </a:rPr>
-              <a:t>the</a:t>
-            </a:r>
-            <a:r>
-              <a:rPr sz="900" b="1" spc="-95" dirty="0">
-                <a:solidFill>
-                  <a:srgbClr val="636466"/>
-                </a:solidFill>
-                <a:latin typeface="Trebuchet MS"/>
-                <a:cs typeface="Trebuchet MS"/>
-              </a:rPr>
-              <a:t> </a:t>
-            </a:r>
-            <a:r>
-              <a:rPr sz="900" b="1" spc="-15" dirty="0">
-                <a:solidFill>
-                  <a:srgbClr val="636466"/>
-                </a:solidFill>
-                <a:latin typeface="Trebuchet MS"/>
-                <a:cs typeface="Trebuchet MS"/>
-              </a:rPr>
-              <a:t>set</a:t>
-            </a:r>
-            <a:r>
-              <a:rPr sz="900" b="1" spc="-90" dirty="0">
-                <a:solidFill>
-                  <a:srgbClr val="636466"/>
-                </a:solidFill>
-                <a:latin typeface="Trebuchet MS"/>
-                <a:cs typeface="Trebuchet MS"/>
-              </a:rPr>
-              <a:t> </a:t>
-            </a:r>
-            <a:r>
-              <a:rPr sz="900" b="1" spc="-15" dirty="0">
-                <a:solidFill>
-                  <a:srgbClr val="636466"/>
-                </a:solidFill>
-                <a:latin typeface="Trebuchet MS"/>
-                <a:cs typeface="Trebuchet MS"/>
-              </a:rPr>
-              <a:t>x</a:t>
-            </a:r>
-            <a:r>
-              <a:rPr sz="900" b="1" spc="-90" dirty="0">
-                <a:solidFill>
-                  <a:srgbClr val="636466"/>
-                </a:solidFill>
-                <a:latin typeface="Trebuchet MS"/>
-                <a:cs typeface="Trebuchet MS"/>
-              </a:rPr>
-              <a:t> </a:t>
-            </a:r>
-            <a:r>
-              <a:rPr sz="900" b="1" spc="-10" dirty="0">
-                <a:solidFill>
-                  <a:srgbClr val="636466"/>
-                </a:solidFill>
-                <a:latin typeface="Trebuchet MS"/>
-                <a:cs typeface="Trebuchet MS"/>
-              </a:rPr>
-              <a:t>to</a:t>
-            </a:r>
-            <a:r>
-              <a:rPr sz="900" b="1" spc="-95" dirty="0">
-                <a:solidFill>
-                  <a:srgbClr val="636466"/>
-                </a:solidFill>
-                <a:latin typeface="Trebuchet MS"/>
-                <a:cs typeface="Trebuchet MS"/>
-              </a:rPr>
-              <a:t> </a:t>
+              <a:t> x à</a:t>
             </a:r>
             <a:r>
               <a:rPr sz="900" b="1" spc="-35" dirty="0">
@@ -42433,7 +42209,7 @@
                 <a:latin typeface="Trebuchet MS"/>
                 <a:cs typeface="Trebuchet MS"/>
               </a:rPr>
-              <a:t>block.</a:t>
+              <a:t>.</a:t>
             </a:r>
             <a:endParaRPr sz="900" dirty="0">
               <a:latin typeface="Trebuchet MS"/>
@@ -42457,7 +42233,7 @@
           <p:nvPr/>
         </p:nvPicPr>
         <p:blipFill>
-          <a:blip r:embed="rId23"/>
+          <a:blip r:embed="rId22"/>
           <a:stretch>
             <a:fillRect/>
           </a:stretch>
@@ -42521,6 +42297,81 @@
               <a:latin typeface="Verdana"/>
               <a:cs typeface="Verdana"/>
             </a:endParaRPr>
+          </a:p>
+        </p:txBody>
+      </p:sp>
+      <p:pic>
+        <p:nvPicPr>
+          <p:cNvPr id="34" name="Picture 33">
+            <a:extLst>
+              <a:ext uri="{FF2B5EF4-FFF2-40B4-BE49-F238E27FC236}">
+                <a16:creationId xmlns:a16="http://schemas.microsoft.com/office/drawing/2014/main" id="{3FCFB4F1-2A3C-4C24-AD41-B524A2C006C4}"/>
+              </a:ext>
+            </a:extLst>
+          </p:cNvPr>
+          <p:cNvPicPr>
+            <a:picLocks noChangeAspect="1"/>
+          </p:cNvPicPr>
+          <p:nvPr/>
+        </p:nvPicPr>
+        <p:blipFill>
+          <a:blip r:embed="rId23"/>
+          <a:stretch>
+            <a:fillRect/>
+          </a:stretch>
+        </p:blipFill>
+        <p:spPr>
+          <a:xfrm>
+            <a:off x="1089185" y="2857511"/>
+            <a:ext cx="1137438" cy="1155303"/>
+          </a:xfrm>
+          <a:prstGeom prst="rect">
+            <a:avLst/>
+          </a:prstGeom>
+        </p:spPr>
+      </p:pic>
+      <p:sp>
+        <p:nvSpPr>
+          <p:cNvPr id="61" name="object 61"/>
+          <p:cNvSpPr/>
+          <p:nvPr/>
+        </p:nvSpPr>
+        <p:spPr>
+          <a:xfrm>
+            <a:off x="2090166" y="3235147"/>
+            <a:ext cx="563245" cy="292100"/>
+          </a:xfrm>
+          <a:custGeom>
+            <a:avLst/>
+            <a:gdLst/>
+            <a:ahLst/>
+            <a:cxnLst/>
+            <a:rect l="l" t="t" r="r" b="b"/>
+            <a:pathLst>
+              <a:path w="563244" h="292100">
+                <a:moveTo>
+                  <a:pt x="562863" y="0"/>
+                </a:moveTo>
+                <a:lnTo>
+                  <a:pt x="126606" y="0"/>
+                </a:lnTo>
+                <a:lnTo>
+                  <a:pt x="0" y="292100"/>
+                </a:lnTo>
+              </a:path>
+            </a:pathLst>
+          </a:custGeom>
+          <a:ln w="12700">
+            <a:solidFill>
+              <a:srgbClr val="636466"/>
+            </a:solidFill>
+          </a:ln>
+        </p:spPr>
+        <p:txBody>
+          <a:bodyPr wrap="square" lIns="0" tIns="0" rIns="0" bIns="0" rtlCol="0"/>
+          <a:lstStyle/>
+          <a:p>
+            <a:endParaRPr/>
           </a:p>
         </p:txBody>
       </p:sp>
@@ -43730,6 +43581,86 @@
       </p:grpSpPr>
       <p:sp>
         <p:nvSpPr>
+          <p:cNvPr id="19" name="object 19"/>
+          <p:cNvSpPr/>
+          <p:nvPr/>
+        </p:nvSpPr>
+        <p:spPr>
+          <a:xfrm>
+            <a:off x="0" y="2499867"/>
+            <a:ext cx="4572000" cy="3065145"/>
+          </a:xfrm>
+          <a:custGeom>
+            <a:avLst/>
+            <a:gdLst/>
+            <a:ahLst/>
+            <a:cxnLst/>
+            <a:rect l="l" t="t" r="r" b="b"/>
+            <a:pathLst>
+              <a:path w="4572000" h="3065145">
+                <a:moveTo>
+                  <a:pt x="0" y="3064573"/>
+                </a:moveTo>
+                <a:lnTo>
+                  <a:pt x="4572000" y="3064573"/>
+                </a:lnTo>
+                <a:lnTo>
+                  <a:pt x="4572000" y="0"/>
+                </a:lnTo>
+                <a:lnTo>
+                  <a:pt x="0" y="0"/>
+                </a:lnTo>
+                <a:lnTo>
+                  <a:pt x="0" y="3064573"/>
+                </a:lnTo>
+                <a:close/>
+              </a:path>
+            </a:pathLst>
+          </a:custGeom>
+          <a:solidFill>
+            <a:srgbClr val="E6E7E8"/>
+          </a:solidFill>
+        </p:spPr>
+        <p:txBody>
+          <a:bodyPr wrap="square" lIns="0" tIns="0" rIns="0" bIns="0" rtlCol="0"/>
+          <a:lstStyle/>
+          <a:p>
+            <a:endParaRPr/>
+          </a:p>
+        </p:txBody>
+      </p:sp>
+      <p:pic>
+        <p:nvPicPr>
+          <p:cNvPr id="47" name="Picture 46">
+            <a:extLst>
+              <a:ext uri="{FF2B5EF4-FFF2-40B4-BE49-F238E27FC236}">
+                <a16:creationId xmlns:a16="http://schemas.microsoft.com/office/drawing/2014/main" id="{3382025F-8895-47E1-AED7-D663BEBFF763}"/>
+              </a:ext>
+            </a:extLst>
+          </p:cNvPr>
+          <p:cNvPicPr>
+            <a:picLocks noChangeAspect="1"/>
+          </p:cNvPicPr>
+          <p:nvPr/>
+        </p:nvPicPr>
+        <p:blipFill>
+          <a:blip r:embed="rId2"/>
+          <a:stretch>
+            <a:fillRect/>
+          </a:stretch>
+        </p:blipFill>
+        <p:spPr>
+          <a:xfrm>
+            <a:off x="1043431" y="3213652"/>
+            <a:ext cx="2485138" cy="1740623"/>
+          </a:xfrm>
+          <a:prstGeom prst="rect">
+            <a:avLst/>
+          </a:prstGeom>
+        </p:spPr>
+      </p:pic>
+      <p:sp>
+        <p:nvSpPr>
           <p:cNvPr id="2" name="object 2"/>
           <p:cNvSpPr/>
           <p:nvPr/>
@@ -44602,35 +44533,6 @@
           <a:xfrm>
             <a:off x="3964559" y="277380"/>
             <a:ext cx="206603" cy="207162"/>
-          </a:xfrm>
-          <a:prstGeom prst="rect">
-            <a:avLst/>
-          </a:prstGeom>
-          <a:blipFill>
-            <a:blip r:embed="rId2" cstate="print"/>
-            <a:stretch>
-              <a:fillRect/>
-            </a:stretch>
-          </a:blipFill>
-        </p:spPr>
-        <p:txBody>
-          <a:bodyPr wrap="square" lIns="0" tIns="0" rIns="0" bIns="0" rtlCol="0"/>
-          <a:lstStyle/>
-          <a:p>
-            <a:endParaRPr/>
-          </a:p>
-        </p:txBody>
-      </p:sp>
-      <p:sp>
-        <p:nvSpPr>
-          <p:cNvPr id="6" name="object 6"/>
-          <p:cNvSpPr/>
-          <p:nvPr/>
-        </p:nvSpPr>
-        <p:spPr>
-          <a:xfrm>
-            <a:off x="2927375" y="121780"/>
-            <a:ext cx="98510" cy="111041"/>
           </a:xfrm>
           <a:prstGeom prst="rect">
             <a:avLst/>
@@ -44652,14 +44554,14 @@
       </p:sp>
       <p:sp>
         <p:nvSpPr>
-          <p:cNvPr id="7" name="object 7"/>
+          <p:cNvPr id="6" name="object 6"/>
           <p:cNvSpPr/>
           <p:nvPr/>
         </p:nvSpPr>
         <p:spPr>
           <a:xfrm>
-            <a:off x="3200274" y="474454"/>
-            <a:ext cx="88555" cy="114216"/>
+            <a:off x="2927375" y="121780"/>
+            <a:ext cx="98510" cy="111041"/>
           </a:xfrm>
           <a:prstGeom prst="rect">
             <a:avLst/>
@@ -44681,14 +44583,14 @@
       </p:sp>
       <p:sp>
         <p:nvSpPr>
-          <p:cNvPr id="8" name="object 8"/>
+          <p:cNvPr id="7" name="object 7"/>
           <p:cNvSpPr/>
           <p:nvPr/>
         </p:nvSpPr>
         <p:spPr>
           <a:xfrm>
-            <a:off x="2774289" y="0"/>
-            <a:ext cx="98715" cy="73469"/>
+            <a:off x="3200274" y="474454"/>
+            <a:ext cx="88555" cy="114216"/>
           </a:xfrm>
           <a:prstGeom prst="rect">
             <a:avLst/>
@@ -44710,14 +44612,14 @@
       </p:sp>
       <p:sp>
         <p:nvSpPr>
-          <p:cNvPr id="9" name="object 9"/>
+          <p:cNvPr id="8" name="object 8"/>
           <p:cNvSpPr/>
           <p:nvPr/>
         </p:nvSpPr>
         <p:spPr>
           <a:xfrm>
-            <a:off x="3067608" y="293738"/>
-            <a:ext cx="92539" cy="108140"/>
+            <a:off x="2774289" y="0"/>
+            <a:ext cx="98715" cy="73469"/>
           </a:xfrm>
           <a:prstGeom prst="rect">
             <a:avLst/>
@@ -44739,14 +44641,14 @@
       </p:sp>
       <p:sp>
         <p:nvSpPr>
-          <p:cNvPr id="10" name="object 10"/>
+          <p:cNvPr id="9" name="object 9"/>
           <p:cNvSpPr/>
           <p:nvPr/>
         </p:nvSpPr>
         <p:spPr>
           <a:xfrm>
-            <a:off x="4209859" y="383768"/>
-            <a:ext cx="119356" cy="64147"/>
+            <a:off x="3067608" y="293738"/>
+            <a:ext cx="92539" cy="108140"/>
           </a:xfrm>
           <a:prstGeom prst="rect">
             <a:avLst/>
@@ -44768,14 +44670,14 @@
       </p:sp>
       <p:sp>
         <p:nvSpPr>
-          <p:cNvPr id="11" name="object 11"/>
+          <p:cNvPr id="10" name="object 10"/>
           <p:cNvSpPr/>
           <p:nvPr/>
         </p:nvSpPr>
         <p:spPr>
           <a:xfrm>
-            <a:off x="3449815" y="523138"/>
-            <a:ext cx="99833" cy="91892"/>
+            <a:off x="4209859" y="383768"/>
+            <a:ext cx="119356" cy="64147"/>
           </a:xfrm>
           <a:prstGeom prst="rect">
             <a:avLst/>
@@ -44797,67 +44699,14 @@
       </p:sp>
       <p:sp>
         <p:nvSpPr>
-          <p:cNvPr id="12" name="object 12"/>
+          <p:cNvPr id="11" name="object 11"/>
           <p:cNvSpPr/>
           <p:nvPr/>
         </p:nvSpPr>
         <p:spPr>
           <a:xfrm>
-            <a:off x="4568190" y="566195"/>
-            <a:ext cx="3810" cy="24130"/>
-          </a:xfrm>
-          <a:custGeom>
-            <a:avLst/>
-            <a:gdLst/>
-            <a:ahLst/>
-            <a:cxnLst/>
-            <a:rect l="l" t="t" r="r" b="b"/>
-            <a:pathLst>
-              <a:path w="3810" h="24129">
-                <a:moveTo>
-                  <a:pt x="3809" y="0"/>
-                </a:moveTo>
-                <a:lnTo>
-                  <a:pt x="0" y="12327"/>
-                </a:lnTo>
-                <a:lnTo>
-                  <a:pt x="1054" y="14956"/>
-                </a:lnTo>
-                <a:lnTo>
-                  <a:pt x="1727" y="22157"/>
-                </a:lnTo>
-                <a:lnTo>
-                  <a:pt x="3809" y="23944"/>
-                </a:lnTo>
-                <a:lnTo>
-                  <a:pt x="3809" y="0"/>
-                </a:lnTo>
-                <a:close/>
-              </a:path>
-            </a:pathLst>
-          </a:custGeom>
-          <a:solidFill>
-            <a:srgbClr val="0A8E68"/>
-          </a:solidFill>
-        </p:spPr>
-        <p:txBody>
-          <a:bodyPr wrap="square" lIns="0" tIns="0" rIns="0" bIns="0" rtlCol="0"/>
-          <a:lstStyle/>
-          <a:p>
-            <a:endParaRPr/>
-          </a:p>
-        </p:txBody>
-      </p:sp>
-      <p:sp>
-        <p:nvSpPr>
-          <p:cNvPr id="13" name="object 13"/>
-          <p:cNvSpPr/>
-          <p:nvPr/>
-        </p:nvSpPr>
-        <p:spPr>
-          <a:xfrm>
-            <a:off x="3612837" y="424575"/>
-            <a:ext cx="115717" cy="74207"/>
+            <a:off x="3449815" y="523138"/>
+            <a:ext cx="99833" cy="91892"/>
           </a:xfrm>
           <a:prstGeom prst="rect">
             <a:avLst/>
@@ -44879,14 +44728,67 @@
       </p:sp>
       <p:sp>
         <p:nvSpPr>
-          <p:cNvPr id="14" name="object 14"/>
+          <p:cNvPr id="12" name="object 12"/>
           <p:cNvSpPr/>
           <p:nvPr/>
         </p:nvSpPr>
         <p:spPr>
           <a:xfrm>
-            <a:off x="4391914" y="450900"/>
-            <a:ext cx="114426" cy="78622"/>
+            <a:off x="4568190" y="566195"/>
+            <a:ext cx="3810" cy="24130"/>
+          </a:xfrm>
+          <a:custGeom>
+            <a:avLst/>
+            <a:gdLst/>
+            <a:ahLst/>
+            <a:cxnLst/>
+            <a:rect l="l" t="t" r="r" b="b"/>
+            <a:pathLst>
+              <a:path w="3810" h="24129">
+                <a:moveTo>
+                  <a:pt x="3809" y="0"/>
+                </a:moveTo>
+                <a:lnTo>
+                  <a:pt x="0" y="12327"/>
+                </a:lnTo>
+                <a:lnTo>
+                  <a:pt x="1054" y="14956"/>
+                </a:lnTo>
+                <a:lnTo>
+                  <a:pt x="1727" y="22157"/>
+                </a:lnTo>
+                <a:lnTo>
+                  <a:pt x="3809" y="23944"/>
+                </a:lnTo>
+                <a:lnTo>
+                  <a:pt x="3809" y="0"/>
+                </a:lnTo>
+                <a:close/>
+              </a:path>
+            </a:pathLst>
+          </a:custGeom>
+          <a:solidFill>
+            <a:srgbClr val="0A8E68"/>
+          </a:solidFill>
+        </p:spPr>
+        <p:txBody>
+          <a:bodyPr wrap="square" lIns="0" tIns="0" rIns="0" bIns="0" rtlCol="0"/>
+          <a:lstStyle/>
+          <a:p>
+            <a:endParaRPr/>
+          </a:p>
+        </p:txBody>
+      </p:sp>
+      <p:sp>
+        <p:nvSpPr>
+          <p:cNvPr id="13" name="object 13"/>
+          <p:cNvSpPr/>
+          <p:nvPr/>
+        </p:nvSpPr>
+        <p:spPr>
+          <a:xfrm>
+            <a:off x="3612837" y="424575"/>
+            <a:ext cx="115717" cy="74207"/>
           </a:xfrm>
           <a:prstGeom prst="rect">
             <a:avLst/>
@@ -44908,14 +44810,14 @@
       </p:sp>
       <p:sp>
         <p:nvSpPr>
-          <p:cNvPr id="15" name="object 15"/>
+          <p:cNvPr id="14" name="object 14"/>
           <p:cNvSpPr/>
           <p:nvPr/>
         </p:nvSpPr>
         <p:spPr>
           <a:xfrm>
-            <a:off x="3312976" y="659024"/>
-            <a:ext cx="86336" cy="79628"/>
+            <a:off x="4391914" y="450900"/>
+            <a:ext cx="114426" cy="78622"/>
           </a:xfrm>
           <a:prstGeom prst="rect">
             <a:avLst/>
@@ -44937,394 +44839,14 @@
       </p:sp>
       <p:sp>
         <p:nvSpPr>
-          <p:cNvPr id="16" name="object 16"/>
+          <p:cNvPr id="15" name="object 15"/>
           <p:cNvSpPr/>
           <p:nvPr/>
         </p:nvSpPr>
         <p:spPr>
           <a:xfrm>
-            <a:off x="3807574" y="371830"/>
-            <a:ext cx="123825" cy="53340"/>
-          </a:xfrm>
-          <a:custGeom>
-            <a:avLst/>
-            <a:gdLst/>
-            <a:ahLst/>
-            <a:cxnLst/>
-            <a:rect l="l" t="t" r="r" b="b"/>
-            <a:pathLst>
-              <a:path w="123825" h="53340">
-                <a:moveTo>
-                  <a:pt x="105981" y="0"/>
-                </a:moveTo>
-                <a:lnTo>
-                  <a:pt x="56418" y="7089"/>
-                </a:lnTo>
-                <a:lnTo>
-                  <a:pt x="7340" y="16903"/>
-                </a:lnTo>
-                <a:lnTo>
-                  <a:pt x="0" y="41871"/>
-                </a:lnTo>
-                <a:lnTo>
-                  <a:pt x="355" y="46075"/>
-                </a:lnTo>
-                <a:lnTo>
-                  <a:pt x="11988" y="53263"/>
-                </a:lnTo>
-                <a:lnTo>
-                  <a:pt x="17475" y="52400"/>
-                </a:lnTo>
-                <a:lnTo>
-                  <a:pt x="61985" y="44359"/>
-                </a:lnTo>
-                <a:lnTo>
-                  <a:pt x="106275" y="34570"/>
-                </a:lnTo>
-                <a:lnTo>
-                  <a:pt x="116179" y="26327"/>
-                </a:lnTo>
-                <a:lnTo>
-                  <a:pt x="123418" y="19964"/>
-                </a:lnTo>
-                <a:lnTo>
-                  <a:pt x="118224" y="13106"/>
-                </a:lnTo>
-                <a:lnTo>
-                  <a:pt x="113590" y="6529"/>
-                </a:lnTo>
-                <a:lnTo>
-                  <a:pt x="109511" y="1678"/>
-                </a:lnTo>
-                <a:lnTo>
-                  <a:pt x="105981" y="0"/>
-                </a:lnTo>
-                <a:close/>
-              </a:path>
-            </a:pathLst>
-          </a:custGeom>
-          <a:solidFill>
-            <a:srgbClr val="0A8E68"/>
-          </a:solidFill>
-        </p:spPr>
-        <p:txBody>
-          <a:bodyPr wrap="square" lIns="0" tIns="0" rIns="0" bIns="0" rtlCol="0"/>
-          <a:lstStyle/>
-          <a:p>
-            <a:endParaRPr/>
-          </a:p>
-        </p:txBody>
-      </p:sp>
-      <p:sp>
-        <p:nvSpPr>
-          <p:cNvPr id="17" name="object 17"/>
-          <p:cNvSpPr/>
-          <p:nvPr/>
-        </p:nvSpPr>
-        <p:spPr>
-          <a:xfrm>
-            <a:off x="0" y="920762"/>
-            <a:ext cx="4572000" cy="1579245"/>
-          </a:xfrm>
-          <a:custGeom>
-            <a:avLst/>
-            <a:gdLst/>
-            <a:ahLst/>
-            <a:cxnLst/>
-            <a:rect l="l" t="t" r="r" b="b"/>
-            <a:pathLst>
-              <a:path w="4572000" h="1579245">
-                <a:moveTo>
-                  <a:pt x="0" y="1579105"/>
-                </a:moveTo>
-                <a:lnTo>
-                  <a:pt x="4572000" y="1579105"/>
-                </a:lnTo>
-                <a:lnTo>
-                  <a:pt x="4572000" y="0"/>
-                </a:lnTo>
-                <a:lnTo>
-                  <a:pt x="0" y="0"/>
-                </a:lnTo>
-                <a:lnTo>
-                  <a:pt x="0" y="1579105"/>
-                </a:lnTo>
-                <a:close/>
-              </a:path>
-            </a:pathLst>
-          </a:custGeom>
-          <a:solidFill>
-            <a:srgbClr val="C7EAFB"/>
-          </a:solidFill>
-        </p:spPr>
-        <p:txBody>
-          <a:bodyPr wrap="square" lIns="0" tIns="0" rIns="0" bIns="0" rtlCol="0"/>
-          <a:lstStyle/>
-          <a:p>
-            <a:endParaRPr/>
-          </a:p>
-        </p:txBody>
-      </p:sp>
-      <p:sp>
-        <p:nvSpPr>
-          <p:cNvPr id="18" name="object 18"/>
-          <p:cNvSpPr/>
-          <p:nvPr/>
-        </p:nvSpPr>
-        <p:spPr>
-          <a:xfrm>
-            <a:off x="0" y="908050"/>
-            <a:ext cx="4572000" cy="25400"/>
-          </a:xfrm>
-          <a:custGeom>
-            <a:avLst/>
-            <a:gdLst/>
-            <a:ahLst/>
-            <a:cxnLst/>
-            <a:rect l="l" t="t" r="r" b="b"/>
-            <a:pathLst>
-              <a:path w="4572000" h="25400">
-                <a:moveTo>
-                  <a:pt x="0" y="25400"/>
-                </a:moveTo>
-                <a:lnTo>
-                  <a:pt x="4572000" y="25400"/>
-                </a:lnTo>
-                <a:lnTo>
-                  <a:pt x="4572000" y="0"/>
-                </a:lnTo>
-                <a:lnTo>
-                  <a:pt x="0" y="0"/>
-                </a:lnTo>
-                <a:lnTo>
-                  <a:pt x="0" y="25400"/>
-                </a:lnTo>
-                <a:close/>
-              </a:path>
-            </a:pathLst>
-          </a:custGeom>
-          <a:solidFill>
-            <a:srgbClr val="FFFFFF"/>
-          </a:solidFill>
-        </p:spPr>
-        <p:txBody>
-          <a:bodyPr wrap="square" lIns="0" tIns="0" rIns="0" bIns="0" rtlCol="0"/>
-          <a:lstStyle/>
-          <a:p>
-            <a:endParaRPr/>
-          </a:p>
-        </p:txBody>
-      </p:sp>
-      <p:sp>
-        <p:nvSpPr>
-          <p:cNvPr id="19" name="object 19"/>
-          <p:cNvSpPr/>
-          <p:nvPr/>
-        </p:nvSpPr>
-        <p:spPr>
-          <a:xfrm>
-            <a:off x="0" y="2499867"/>
-            <a:ext cx="4572000" cy="3065145"/>
-          </a:xfrm>
-          <a:custGeom>
-            <a:avLst/>
-            <a:gdLst/>
-            <a:ahLst/>
-            <a:cxnLst/>
-            <a:rect l="l" t="t" r="r" b="b"/>
-            <a:pathLst>
-              <a:path w="4572000" h="3065145">
-                <a:moveTo>
-                  <a:pt x="0" y="3064573"/>
-                </a:moveTo>
-                <a:lnTo>
-                  <a:pt x="4572000" y="3064573"/>
-                </a:lnTo>
-                <a:lnTo>
-                  <a:pt x="4572000" y="0"/>
-                </a:lnTo>
-                <a:lnTo>
-                  <a:pt x="0" y="0"/>
-                </a:lnTo>
-                <a:lnTo>
-                  <a:pt x="0" y="3064573"/>
-                </a:lnTo>
-                <a:close/>
-              </a:path>
-            </a:pathLst>
-          </a:custGeom>
-          <a:solidFill>
-            <a:srgbClr val="E6E7E8"/>
-          </a:solidFill>
-        </p:spPr>
-        <p:txBody>
-          <a:bodyPr wrap="square" lIns="0" tIns="0" rIns="0" bIns="0" rtlCol="0"/>
-          <a:lstStyle/>
-          <a:p>
-            <a:endParaRPr/>
-          </a:p>
-        </p:txBody>
-      </p:sp>
-      <p:sp>
-        <p:nvSpPr>
-          <p:cNvPr id="20" name="object 20"/>
-          <p:cNvSpPr/>
-          <p:nvPr/>
-        </p:nvSpPr>
-        <p:spPr>
-          <a:xfrm>
-            <a:off x="0" y="2487167"/>
-            <a:ext cx="4572000" cy="25400"/>
-          </a:xfrm>
-          <a:custGeom>
-            <a:avLst/>
-            <a:gdLst/>
-            <a:ahLst/>
-            <a:cxnLst/>
-            <a:rect l="l" t="t" r="r" b="b"/>
-            <a:pathLst>
-              <a:path w="4572000" h="25400">
-                <a:moveTo>
-                  <a:pt x="0" y="25400"/>
-                </a:moveTo>
-                <a:lnTo>
-                  <a:pt x="4572000" y="25400"/>
-                </a:lnTo>
-                <a:lnTo>
-                  <a:pt x="4572000" y="0"/>
-                </a:lnTo>
-                <a:lnTo>
-                  <a:pt x="0" y="0"/>
-                </a:lnTo>
-                <a:lnTo>
-                  <a:pt x="0" y="25400"/>
-                </a:lnTo>
-                <a:close/>
-              </a:path>
-            </a:pathLst>
-          </a:custGeom>
-          <a:solidFill>
-            <a:srgbClr val="FFFFFF"/>
-          </a:solidFill>
-        </p:spPr>
-        <p:txBody>
-          <a:bodyPr wrap="square" lIns="0" tIns="0" rIns="0" bIns="0" rtlCol="0"/>
-          <a:lstStyle/>
-          <a:p>
-            <a:endParaRPr/>
-          </a:p>
-        </p:txBody>
-      </p:sp>
-      <p:sp>
-        <p:nvSpPr>
-          <p:cNvPr id="21" name="object 21"/>
-          <p:cNvSpPr/>
-          <p:nvPr/>
-        </p:nvSpPr>
-        <p:spPr>
-          <a:xfrm>
-            <a:off x="0" y="5564441"/>
-            <a:ext cx="4572000" cy="836930"/>
-          </a:xfrm>
-          <a:custGeom>
-            <a:avLst/>
-            <a:gdLst/>
-            <a:ahLst/>
-            <a:cxnLst/>
-            <a:rect l="l" t="t" r="r" b="b"/>
-            <a:pathLst>
-              <a:path w="4572000" h="836929">
-                <a:moveTo>
-                  <a:pt x="0" y="836358"/>
-                </a:moveTo>
-                <a:lnTo>
-                  <a:pt x="4572000" y="836358"/>
-                </a:lnTo>
-                <a:lnTo>
-                  <a:pt x="4572000" y="0"/>
-                </a:lnTo>
-                <a:lnTo>
-                  <a:pt x="0" y="0"/>
-                </a:lnTo>
-                <a:lnTo>
-                  <a:pt x="0" y="836358"/>
-                </a:lnTo>
-                <a:close/>
-              </a:path>
-            </a:pathLst>
-          </a:custGeom>
-          <a:solidFill>
-            <a:srgbClr val="CCE7D3"/>
-          </a:solidFill>
-        </p:spPr>
-        <p:txBody>
-          <a:bodyPr wrap="square" lIns="0" tIns="0" rIns="0" bIns="0" rtlCol="0"/>
-          <a:lstStyle/>
-          <a:p>
-            <a:endParaRPr/>
-          </a:p>
-        </p:txBody>
-      </p:sp>
-      <p:sp>
-        <p:nvSpPr>
-          <p:cNvPr id="22" name="object 22"/>
-          <p:cNvSpPr/>
-          <p:nvPr/>
-        </p:nvSpPr>
-        <p:spPr>
-          <a:xfrm>
-            <a:off x="0" y="5551741"/>
-            <a:ext cx="4572000" cy="25400"/>
-          </a:xfrm>
-          <a:custGeom>
-            <a:avLst/>
-            <a:gdLst/>
-            <a:ahLst/>
-            <a:cxnLst/>
-            <a:rect l="l" t="t" r="r" b="b"/>
-            <a:pathLst>
-              <a:path w="4572000" h="25400">
-                <a:moveTo>
-                  <a:pt x="0" y="25400"/>
-                </a:moveTo>
-                <a:lnTo>
-                  <a:pt x="4572000" y="25400"/>
-                </a:lnTo>
-                <a:lnTo>
-                  <a:pt x="4572000" y="0"/>
-                </a:lnTo>
-                <a:lnTo>
-                  <a:pt x="0" y="0"/>
-                </a:lnTo>
-                <a:lnTo>
-                  <a:pt x="0" y="25400"/>
-                </a:lnTo>
-                <a:close/>
-              </a:path>
-            </a:pathLst>
-          </a:custGeom>
-          <a:solidFill>
-            <a:srgbClr val="FFFFFF"/>
-          </a:solidFill>
-        </p:spPr>
-        <p:txBody>
-          <a:bodyPr wrap="square" lIns="0" tIns="0" rIns="0" bIns="0" rtlCol="0"/>
-          <a:lstStyle/>
-          <a:p>
-            <a:endParaRPr/>
-          </a:p>
-        </p:txBody>
-      </p:sp>
-      <p:sp>
-        <p:nvSpPr>
-          <p:cNvPr id="23" name="object 23"/>
-          <p:cNvSpPr/>
-          <p:nvPr/>
-        </p:nvSpPr>
-        <p:spPr>
-          <a:xfrm>
-            <a:off x="1203960" y="3232861"/>
-            <a:ext cx="2044738" cy="1761083"/>
+            <a:off x="3312976" y="659024"/>
+            <a:ext cx="86336" cy="79628"/>
           </a:xfrm>
           <a:prstGeom prst="rect">
             <a:avLst/>
@@ -45335,6 +44857,336 @@
               <a:fillRect/>
             </a:stretch>
           </a:blipFill>
+        </p:spPr>
+        <p:txBody>
+          <a:bodyPr wrap="square" lIns="0" tIns="0" rIns="0" bIns="0" rtlCol="0"/>
+          <a:lstStyle/>
+          <a:p>
+            <a:endParaRPr/>
+          </a:p>
+        </p:txBody>
+      </p:sp>
+      <p:sp>
+        <p:nvSpPr>
+          <p:cNvPr id="16" name="object 16"/>
+          <p:cNvSpPr/>
+          <p:nvPr/>
+        </p:nvSpPr>
+        <p:spPr>
+          <a:xfrm>
+            <a:off x="3807574" y="371830"/>
+            <a:ext cx="123825" cy="53340"/>
+          </a:xfrm>
+          <a:custGeom>
+            <a:avLst/>
+            <a:gdLst/>
+            <a:ahLst/>
+            <a:cxnLst/>
+            <a:rect l="l" t="t" r="r" b="b"/>
+            <a:pathLst>
+              <a:path w="123825" h="53340">
+                <a:moveTo>
+                  <a:pt x="105981" y="0"/>
+                </a:moveTo>
+                <a:lnTo>
+                  <a:pt x="56418" y="7089"/>
+                </a:lnTo>
+                <a:lnTo>
+                  <a:pt x="7340" y="16903"/>
+                </a:lnTo>
+                <a:lnTo>
+                  <a:pt x="0" y="41871"/>
+                </a:lnTo>
+                <a:lnTo>
+                  <a:pt x="355" y="46075"/>
+                </a:lnTo>
+                <a:lnTo>
+                  <a:pt x="11988" y="53263"/>
+                </a:lnTo>
+                <a:lnTo>
+                  <a:pt x="17475" y="52400"/>
+                </a:lnTo>
+                <a:lnTo>
+                  <a:pt x="61985" y="44359"/>
+                </a:lnTo>
+                <a:lnTo>
+                  <a:pt x="106275" y="34570"/>
+                </a:lnTo>
+                <a:lnTo>
+                  <a:pt x="116179" y="26327"/>
+                </a:lnTo>
+                <a:lnTo>
+                  <a:pt x="123418" y="19964"/>
+                </a:lnTo>
+                <a:lnTo>
+                  <a:pt x="118224" y="13106"/>
+                </a:lnTo>
+                <a:lnTo>
+                  <a:pt x="113590" y="6529"/>
+                </a:lnTo>
+                <a:lnTo>
+                  <a:pt x="109511" y="1678"/>
+                </a:lnTo>
+                <a:lnTo>
+                  <a:pt x="105981" y="0"/>
+                </a:lnTo>
+                <a:close/>
+              </a:path>
+            </a:pathLst>
+          </a:custGeom>
+          <a:solidFill>
+            <a:srgbClr val="0A8E68"/>
+          </a:solidFill>
+        </p:spPr>
+        <p:txBody>
+          <a:bodyPr wrap="square" lIns="0" tIns="0" rIns="0" bIns="0" rtlCol="0"/>
+          <a:lstStyle/>
+          <a:p>
+            <a:endParaRPr/>
+          </a:p>
+        </p:txBody>
+      </p:sp>
+      <p:sp>
+        <p:nvSpPr>
+          <p:cNvPr id="17" name="object 17"/>
+          <p:cNvSpPr/>
+          <p:nvPr/>
+        </p:nvSpPr>
+        <p:spPr>
+          <a:xfrm>
+            <a:off x="0" y="920762"/>
+            <a:ext cx="4572000" cy="1579245"/>
+          </a:xfrm>
+          <a:custGeom>
+            <a:avLst/>
+            <a:gdLst/>
+            <a:ahLst/>
+            <a:cxnLst/>
+            <a:rect l="l" t="t" r="r" b="b"/>
+            <a:pathLst>
+              <a:path w="4572000" h="1579245">
+                <a:moveTo>
+                  <a:pt x="0" y="1579105"/>
+                </a:moveTo>
+                <a:lnTo>
+                  <a:pt x="4572000" y="1579105"/>
+                </a:lnTo>
+                <a:lnTo>
+                  <a:pt x="4572000" y="0"/>
+                </a:lnTo>
+                <a:lnTo>
+                  <a:pt x="0" y="0"/>
+                </a:lnTo>
+                <a:lnTo>
+                  <a:pt x="0" y="1579105"/>
+                </a:lnTo>
+                <a:close/>
+              </a:path>
+            </a:pathLst>
+          </a:custGeom>
+          <a:solidFill>
+            <a:srgbClr val="C7EAFB"/>
+          </a:solidFill>
+        </p:spPr>
+        <p:txBody>
+          <a:bodyPr wrap="square" lIns="0" tIns="0" rIns="0" bIns="0" rtlCol="0"/>
+          <a:lstStyle/>
+          <a:p>
+            <a:endParaRPr/>
+          </a:p>
+        </p:txBody>
+      </p:sp>
+      <p:sp>
+        <p:nvSpPr>
+          <p:cNvPr id="18" name="object 18"/>
+          <p:cNvSpPr/>
+          <p:nvPr/>
+        </p:nvSpPr>
+        <p:spPr>
+          <a:xfrm>
+            <a:off x="0" y="908050"/>
+            <a:ext cx="4572000" cy="25400"/>
+          </a:xfrm>
+          <a:custGeom>
+            <a:avLst/>
+            <a:gdLst/>
+            <a:ahLst/>
+            <a:cxnLst/>
+            <a:rect l="l" t="t" r="r" b="b"/>
+            <a:pathLst>
+              <a:path w="4572000" h="25400">
+                <a:moveTo>
+                  <a:pt x="0" y="25400"/>
+                </a:moveTo>
+                <a:lnTo>
+                  <a:pt x="4572000" y="25400"/>
+                </a:lnTo>
+                <a:lnTo>
+                  <a:pt x="4572000" y="0"/>
+                </a:lnTo>
+                <a:lnTo>
+                  <a:pt x="0" y="0"/>
+                </a:lnTo>
+                <a:lnTo>
+                  <a:pt x="0" y="25400"/>
+                </a:lnTo>
+                <a:close/>
+              </a:path>
+            </a:pathLst>
+          </a:custGeom>
+          <a:solidFill>
+            <a:srgbClr val="FFFFFF"/>
+          </a:solidFill>
+        </p:spPr>
+        <p:txBody>
+          <a:bodyPr wrap="square" lIns="0" tIns="0" rIns="0" bIns="0" rtlCol="0"/>
+          <a:lstStyle/>
+          <a:p>
+            <a:endParaRPr/>
+          </a:p>
+        </p:txBody>
+      </p:sp>
+      <p:sp>
+        <p:nvSpPr>
+          <p:cNvPr id="20" name="object 20"/>
+          <p:cNvSpPr/>
+          <p:nvPr/>
+        </p:nvSpPr>
+        <p:spPr>
+          <a:xfrm>
+            <a:off x="0" y="2487167"/>
+            <a:ext cx="4572000" cy="25400"/>
+          </a:xfrm>
+          <a:custGeom>
+            <a:avLst/>
+            <a:gdLst/>
+            <a:ahLst/>
+            <a:cxnLst/>
+            <a:rect l="l" t="t" r="r" b="b"/>
+            <a:pathLst>
+              <a:path w="4572000" h="25400">
+                <a:moveTo>
+                  <a:pt x="0" y="25400"/>
+                </a:moveTo>
+                <a:lnTo>
+                  <a:pt x="4572000" y="25400"/>
+                </a:lnTo>
+                <a:lnTo>
+                  <a:pt x="4572000" y="0"/>
+                </a:lnTo>
+                <a:lnTo>
+                  <a:pt x="0" y="0"/>
+                </a:lnTo>
+                <a:lnTo>
+                  <a:pt x="0" y="25400"/>
+                </a:lnTo>
+                <a:close/>
+              </a:path>
+            </a:pathLst>
+          </a:custGeom>
+          <a:solidFill>
+            <a:srgbClr val="FFFFFF"/>
+          </a:solidFill>
+        </p:spPr>
+        <p:txBody>
+          <a:bodyPr wrap="square" lIns="0" tIns="0" rIns="0" bIns="0" rtlCol="0"/>
+          <a:lstStyle/>
+          <a:p>
+            <a:endParaRPr/>
+          </a:p>
+        </p:txBody>
+      </p:sp>
+      <p:sp>
+        <p:nvSpPr>
+          <p:cNvPr id="21" name="object 21"/>
+          <p:cNvSpPr/>
+          <p:nvPr/>
+        </p:nvSpPr>
+        <p:spPr>
+          <a:xfrm>
+            <a:off x="0" y="5564441"/>
+            <a:ext cx="4572000" cy="836930"/>
+          </a:xfrm>
+          <a:custGeom>
+            <a:avLst/>
+            <a:gdLst/>
+            <a:ahLst/>
+            <a:cxnLst/>
+            <a:rect l="l" t="t" r="r" b="b"/>
+            <a:pathLst>
+              <a:path w="4572000" h="836929">
+                <a:moveTo>
+                  <a:pt x="0" y="836358"/>
+                </a:moveTo>
+                <a:lnTo>
+                  <a:pt x="4572000" y="836358"/>
+                </a:lnTo>
+                <a:lnTo>
+                  <a:pt x="4572000" y="0"/>
+                </a:lnTo>
+                <a:lnTo>
+                  <a:pt x="0" y="0"/>
+                </a:lnTo>
+                <a:lnTo>
+                  <a:pt x="0" y="836358"/>
+                </a:lnTo>
+                <a:close/>
+              </a:path>
+            </a:pathLst>
+          </a:custGeom>
+          <a:solidFill>
+            <a:srgbClr val="CCE7D3"/>
+          </a:solidFill>
+        </p:spPr>
+        <p:txBody>
+          <a:bodyPr wrap="square" lIns="0" tIns="0" rIns="0" bIns="0" rtlCol="0"/>
+          <a:lstStyle/>
+          <a:p>
+            <a:endParaRPr/>
+          </a:p>
+        </p:txBody>
+      </p:sp>
+      <p:sp>
+        <p:nvSpPr>
+          <p:cNvPr id="22" name="object 22"/>
+          <p:cNvSpPr/>
+          <p:nvPr/>
+        </p:nvSpPr>
+        <p:spPr>
+          <a:xfrm>
+            <a:off x="0" y="5551741"/>
+            <a:ext cx="4572000" cy="25400"/>
+          </a:xfrm>
+          <a:custGeom>
+            <a:avLst/>
+            <a:gdLst/>
+            <a:ahLst/>
+            <a:cxnLst/>
+            <a:rect l="l" t="t" r="r" b="b"/>
+            <a:pathLst>
+              <a:path w="4572000" h="25400">
+                <a:moveTo>
+                  <a:pt x="0" y="25400"/>
+                </a:moveTo>
+                <a:lnTo>
+                  <a:pt x="4572000" y="25400"/>
+                </a:lnTo>
+                <a:lnTo>
+                  <a:pt x="4572000" y="0"/>
+                </a:lnTo>
+                <a:lnTo>
+                  <a:pt x="0" y="0"/>
+                </a:lnTo>
+                <a:lnTo>
+                  <a:pt x="0" y="25400"/>
+                </a:lnTo>
+                <a:close/>
+              </a:path>
+            </a:pathLst>
+          </a:custGeom>
+          <a:solidFill>
+            <a:srgbClr val="FFFFFF"/>
+          </a:solidFill>
         </p:spPr>
         <p:txBody>
           <a:bodyPr wrap="square" lIns="0" tIns="0" rIns="0" bIns="0" rtlCol="0"/>
